--- a/Clase 1/CLASE 1 IOT.pptx
+++ b/Clase 1/CLASE 1 IOT.pptx
@@ -5,7 +5,7 @@
     <p:sldMasterId id="2147483708" r:id="rId1"/>
   </p:sldMasterIdLst>
   <p:notesMasterIdLst>
-    <p:notesMasterId r:id="rId21"/>
+    <p:notesMasterId r:id="rId24"/>
   </p:notesMasterIdLst>
   <p:sldIdLst>
     <p:sldId id="256" r:id="rId2"/>
@@ -24,9 +24,12 @@
     <p:sldId id="271" r:id="rId15"/>
     <p:sldId id="272" r:id="rId16"/>
     <p:sldId id="273" r:id="rId17"/>
-    <p:sldId id="274" r:id="rId18"/>
-    <p:sldId id="269" r:id="rId19"/>
-    <p:sldId id="268" r:id="rId20"/>
+    <p:sldId id="278" r:id="rId18"/>
+    <p:sldId id="274" r:id="rId19"/>
+    <p:sldId id="269" r:id="rId20"/>
+    <p:sldId id="277" r:id="rId21"/>
+    <p:sldId id="276" r:id="rId22"/>
+    <p:sldId id="268" r:id="rId23"/>
   </p:sldIdLst>
   <p:sldSz cx="12192000" cy="6858000"/>
   <p:notesSz cx="6858000" cy="9144000"/>
@@ -241,7 +244,7 @@
           <a:p>
             <a:fld id="{B4930A93-869F-4233-96FD-B6A3CF09DBDB}" type="datetimeFigureOut">
               <a:rPr lang="es-ES" smtClean="0"/>
-              <a:t>05/04/2019</a:t>
+              <a:t>06/04/2019</a:t>
             </a:fld>
             <a:endParaRPr lang="es-ES"/>
           </a:p>
@@ -817,7 +820,7 @@
           <a:p>
             <a:fld id="{C13FAE2E-4978-4AD7-856E-BC4541D2BAA3}" type="datetimeFigureOut">
               <a:rPr lang="es-ES" smtClean="0"/>
-              <a:t>05/04/2019</a:t>
+              <a:t>06/04/2019</a:t>
             </a:fld>
             <a:endParaRPr lang="es-ES"/>
           </a:p>
@@ -987,7 +990,7 @@
           <a:p>
             <a:fld id="{C13FAE2E-4978-4AD7-856E-BC4541D2BAA3}" type="datetimeFigureOut">
               <a:rPr lang="es-ES" smtClean="0"/>
-              <a:t>05/04/2019</a:t>
+              <a:t>06/04/2019</a:t>
             </a:fld>
             <a:endParaRPr lang="es-ES"/>
           </a:p>
@@ -1167,7 +1170,7 @@
           <a:p>
             <a:fld id="{C13FAE2E-4978-4AD7-856E-BC4541D2BAA3}" type="datetimeFigureOut">
               <a:rPr lang="es-ES" smtClean="0"/>
-              <a:t>05/04/2019</a:t>
+              <a:t>06/04/2019</a:t>
             </a:fld>
             <a:endParaRPr lang="es-ES"/>
           </a:p>
@@ -1337,7 +1340,7 @@
           <a:p>
             <a:fld id="{C13FAE2E-4978-4AD7-856E-BC4541D2BAA3}" type="datetimeFigureOut">
               <a:rPr lang="es-ES" smtClean="0"/>
-              <a:t>05/04/2019</a:t>
+              <a:t>06/04/2019</a:t>
             </a:fld>
             <a:endParaRPr lang="es-ES"/>
           </a:p>
@@ -1595,7 +1598,7 @@
           <a:p>
             <a:fld id="{C13FAE2E-4978-4AD7-856E-BC4541D2BAA3}" type="datetimeFigureOut">
               <a:rPr lang="es-ES" smtClean="0"/>
-              <a:t>05/04/2019</a:t>
+              <a:t>06/04/2019</a:t>
             </a:fld>
             <a:endParaRPr lang="es-ES"/>
           </a:p>
@@ -1883,7 +1886,7 @@
           <a:p>
             <a:fld id="{C13FAE2E-4978-4AD7-856E-BC4541D2BAA3}" type="datetimeFigureOut">
               <a:rPr lang="es-ES" smtClean="0"/>
-              <a:t>05/04/2019</a:t>
+              <a:t>06/04/2019</a:t>
             </a:fld>
             <a:endParaRPr lang="es-ES"/>
           </a:p>
@@ -2325,7 +2328,7 @@
           <a:p>
             <a:fld id="{C13FAE2E-4978-4AD7-856E-BC4541D2BAA3}" type="datetimeFigureOut">
               <a:rPr lang="es-ES" smtClean="0"/>
-              <a:t>05/04/2019</a:t>
+              <a:t>06/04/2019</a:t>
             </a:fld>
             <a:endParaRPr lang="es-ES"/>
           </a:p>
@@ -2443,7 +2446,7 @@
           <a:p>
             <a:fld id="{C13FAE2E-4978-4AD7-856E-BC4541D2BAA3}" type="datetimeFigureOut">
               <a:rPr lang="es-ES" smtClean="0"/>
-              <a:t>05/04/2019</a:t>
+              <a:t>06/04/2019</a:t>
             </a:fld>
             <a:endParaRPr lang="es-ES"/>
           </a:p>
@@ -2538,7 +2541,7 @@
           <a:p>
             <a:fld id="{C13FAE2E-4978-4AD7-856E-BC4541D2BAA3}" type="datetimeFigureOut">
               <a:rPr lang="es-ES" smtClean="0"/>
-              <a:t>05/04/2019</a:t>
+              <a:t>06/04/2019</a:t>
             </a:fld>
             <a:endParaRPr lang="es-ES"/>
           </a:p>
@@ -2826,7 +2829,7 @@
           <a:p>
             <a:fld id="{C13FAE2E-4978-4AD7-856E-BC4541D2BAA3}" type="datetimeFigureOut">
               <a:rPr lang="es-ES" smtClean="0"/>
-              <a:t>05/04/2019</a:t>
+              <a:t>06/04/2019</a:t>
             </a:fld>
             <a:endParaRPr lang="es-ES"/>
           </a:p>
@@ -3099,7 +3102,7 @@
           <a:p>
             <a:fld id="{C13FAE2E-4978-4AD7-856E-BC4541D2BAA3}" type="datetimeFigureOut">
               <a:rPr lang="es-ES" smtClean="0"/>
-              <a:t>05/04/2019</a:t>
+              <a:t>06/04/2019</a:t>
             </a:fld>
             <a:endParaRPr lang="es-ES"/>
           </a:p>
@@ -3396,7 +3399,7 @@
           <a:p>
             <a:fld id="{C13FAE2E-4978-4AD7-856E-BC4541D2BAA3}" type="datetimeFigureOut">
               <a:rPr lang="es-ES" smtClean="0"/>
-              <a:t>05/04/2019</a:t>
+              <a:t>06/04/2019</a:t>
             </a:fld>
             <a:endParaRPr lang="es-ES"/>
           </a:p>
@@ -5028,7 +5031,6 @@
               <a:rPr lang="es-PE" dirty="0" smtClean="0"/>
               <a:t> se basa en una infraestructura de antenas y de estacione de base totalmente independiente de las redes existentes.</a:t>
             </a:r>
-            <a:endParaRPr lang="es-PE" dirty="0" smtClean="0"/>
           </a:p>
           <a:p>
             <a:r>
@@ -5049,7 +5051,6 @@
               <a:rPr lang="es-PE" dirty="0" smtClean="0"/>
               <a:t>.</a:t>
             </a:r>
-            <a:endParaRPr lang="es-PE" dirty="0" smtClean="0"/>
           </a:p>
         </p:txBody>
       </p:sp>
@@ -5180,6 +5181,96 @@
             <p:ph type="title"/>
           </p:nvPr>
         </p:nvSpPr>
+        <p:spPr/>
+        <p:txBody>
+          <a:bodyPr/>
+          <a:lstStyle/>
+          <a:p>
+            <a:r>
+              <a:rPr lang="es-PE" dirty="0" err="1" smtClean="0"/>
+              <a:t>Descripcion</a:t>
+            </a:r>
+            <a:r>
+              <a:rPr lang="es-PE" dirty="0" smtClean="0"/>
+              <a:t> de la red </a:t>
+            </a:r>
+            <a:r>
+              <a:rPr lang="es-PE" dirty="0" err="1" smtClean="0"/>
+              <a:t>sigfox</a:t>
+            </a:r>
+            <a:endParaRPr lang="es-ES" dirty="0"/>
+          </a:p>
+        </p:txBody>
+      </p:sp>
+      <p:pic>
+        <p:nvPicPr>
+          <p:cNvPr id="4" name="Marcador de contenido 3"/>
+          <p:cNvPicPr>
+            <a:picLocks noGrp="1" noChangeAspect="1"/>
+          </p:cNvPicPr>
+          <p:nvPr>
+            <p:ph idx="1"/>
+          </p:nvPr>
+        </p:nvPicPr>
+        <p:blipFill>
+          <a:blip r:embed="rId2">
+            <a:extLst>
+              <a:ext uri="{28A0092B-C50C-407E-A947-70E740481C1C}">
+                <a14:useLocalDpi xmlns:a14="http://schemas.microsoft.com/office/drawing/2010/main" val="0"/>
+              </a:ext>
+            </a:extLst>
+          </a:blip>
+          <a:stretch>
+            <a:fillRect/>
+          </a:stretch>
+        </p:blipFill>
+        <p:spPr>
+          <a:xfrm>
+            <a:off x="3868738" y="1366837"/>
+            <a:ext cx="7315200" cy="4114800"/>
+          </a:xfrm>
+        </p:spPr>
+      </p:pic>
+    </p:spTree>
+    <p:extLst>
+      <p:ext uri="{BB962C8B-B14F-4D97-AF65-F5344CB8AC3E}">
+        <p14:creationId xmlns:p14="http://schemas.microsoft.com/office/powerpoint/2010/main" val="2252953696"/>
+      </p:ext>
+    </p:extLst>
+  </p:cSld>
+  <p:clrMapOvr>
+    <a:masterClrMapping/>
+  </p:clrMapOvr>
+</p:sld>
+</file>
+
+<file path=ppt/slides/slide18.xml><?xml version="1.0" encoding="utf-8"?>
+<p:sld xmlns:a="http://schemas.openxmlformats.org/drawingml/2006/main" xmlns:r="http://schemas.openxmlformats.org/officeDocument/2006/relationships" xmlns:p="http://schemas.openxmlformats.org/presentationml/2006/main">
+  <p:cSld>
+    <p:spTree>
+      <p:nvGrpSpPr>
+        <p:cNvPr id="1" name=""/>
+        <p:cNvGrpSpPr/>
+        <p:nvPr/>
+      </p:nvGrpSpPr>
+      <p:grpSpPr>
+        <a:xfrm>
+          <a:off x="0" y="0"/>
+          <a:ext cx="0" cy="0"/>
+          <a:chOff x="0" y="0"/>
+          <a:chExt cx="0" cy="0"/>
+        </a:xfrm>
+      </p:grpSpPr>
+      <p:sp>
+        <p:nvSpPr>
+          <p:cNvPr id="2" name="Título 1"/>
+          <p:cNvSpPr>
+            <a:spLocks noGrp="1"/>
+          </p:cNvSpPr>
+          <p:nvPr>
+            <p:ph type="title"/>
+          </p:nvPr>
+        </p:nvSpPr>
         <p:spPr>
           <a:xfrm>
             <a:off x="252918" y="1123837"/>
@@ -5418,207 +5509,6 @@
     <p:extLst>
       <p:ext uri="{BB962C8B-B14F-4D97-AF65-F5344CB8AC3E}">
         <p14:creationId xmlns:p14="http://schemas.microsoft.com/office/powerpoint/2010/main" val="1012431980"/>
-      </p:ext>
-    </p:extLst>
-  </p:cSld>
-  <p:clrMapOvr>
-    <a:masterClrMapping/>
-  </p:clrMapOvr>
-  <p:timing>
-    <p:tnLst>
-      <p:par>
-        <p:cTn id="1" dur="indefinite" restart="never" nodeType="tmRoot"/>
-      </p:par>
-    </p:tnLst>
-  </p:timing>
-</p:sld>
-</file>
-
-<file path=ppt/slides/slide18.xml><?xml version="1.0" encoding="utf-8"?>
-<p:sld xmlns:a="http://schemas.openxmlformats.org/drawingml/2006/main" xmlns:r="http://schemas.openxmlformats.org/officeDocument/2006/relationships" xmlns:p="http://schemas.openxmlformats.org/presentationml/2006/main">
-  <p:cSld>
-    <p:spTree>
-      <p:nvGrpSpPr>
-        <p:cNvPr id="1" name=""/>
-        <p:cNvGrpSpPr/>
-        <p:nvPr/>
-      </p:nvGrpSpPr>
-      <p:grpSpPr>
-        <a:xfrm>
-          <a:off x="0" y="0"/>
-          <a:ext cx="0" cy="0"/>
-          <a:chOff x="0" y="0"/>
-          <a:chExt cx="0" cy="0"/>
-        </a:xfrm>
-      </p:grpSpPr>
-      <p:sp>
-        <p:nvSpPr>
-          <p:cNvPr id="2" name="Título 1"/>
-          <p:cNvSpPr>
-            <a:spLocks noGrp="1"/>
-          </p:cNvSpPr>
-          <p:nvPr>
-            <p:ph type="title"/>
-          </p:nvPr>
-        </p:nvSpPr>
-        <p:spPr/>
-        <p:txBody>
-          <a:bodyPr/>
-          <a:lstStyle/>
-          <a:p>
-            <a:pPr algn="ctr"/>
-            <a:r>
-              <a:rPr lang="es-PE" dirty="0" err="1" smtClean="0"/>
-              <a:t>WiFi</a:t>
-            </a:r>
-            <a:r>
-              <a:rPr lang="es-PE" dirty="0" smtClean="0"/>
-              <a:t> (802.11)</a:t>
-            </a:r>
-            <a:endParaRPr lang="es-ES" dirty="0"/>
-          </a:p>
-        </p:txBody>
-      </p:sp>
-      <p:pic>
-        <p:nvPicPr>
-          <p:cNvPr id="4" name="Picture 2" descr="Resultado de imagen para que es WIFI"/>
-          <p:cNvPicPr>
-            <a:picLocks noGrp="1" noChangeAspect="1" noChangeArrowheads="1"/>
-          </p:cNvPicPr>
-          <p:nvPr>
-            <p:ph idx="1"/>
-          </p:nvPr>
-        </p:nvPicPr>
-        <p:blipFill>
-          <a:blip r:embed="rId2">
-            <a:extLst>
-              <a:ext uri="{28A0092B-C50C-407E-A947-70E740481C1C}">
-                <a14:useLocalDpi xmlns:a14="http://schemas.microsoft.com/office/drawing/2010/main" val="0"/>
-              </a:ext>
-            </a:extLst>
-          </a:blip>
-          <a:srcRect/>
-          <a:stretch>
-            <a:fillRect/>
-          </a:stretch>
-        </p:blipFill>
-        <p:spPr bwMode="auto">
-          <a:xfrm>
-            <a:off x="252919" y="4090578"/>
-            <a:ext cx="3162488" cy="2561615"/>
-          </a:xfrm>
-          <a:prstGeom prst="rect">
-            <a:avLst/>
-          </a:prstGeom>
-          <a:noFill/>
-          <a:extLst>
-            <a:ext uri="{909E8E84-426E-40DD-AFC4-6F175D3DCCD1}">
-              <a14:hiddenFill xmlns:a14="http://schemas.microsoft.com/office/drawing/2010/main">
-                <a:solidFill>
-                  <a:srgbClr val="FFFFFF"/>
-                </a:solidFill>
-              </a14:hiddenFill>
-            </a:ext>
-          </a:extLst>
-        </p:spPr>
-      </p:pic>
-      <p:pic>
-        <p:nvPicPr>
-          <p:cNvPr id="8194" name="Picture 2" descr="Resultado de imagen para Wifi arquitectura"/>
-          <p:cNvPicPr>
-            <a:picLocks noChangeAspect="1" noChangeArrowheads="1"/>
-          </p:cNvPicPr>
-          <p:nvPr/>
-        </p:nvPicPr>
-        <p:blipFill>
-          <a:blip r:embed="rId3">
-            <a:extLst>
-              <a:ext uri="{28A0092B-C50C-407E-A947-70E740481C1C}">
-                <a14:useLocalDpi xmlns:a14="http://schemas.microsoft.com/office/drawing/2010/main" val="0"/>
-              </a:ext>
-            </a:extLst>
-          </a:blip>
-          <a:srcRect/>
-          <a:stretch>
-            <a:fillRect/>
-          </a:stretch>
-        </p:blipFill>
-        <p:spPr bwMode="auto">
-          <a:xfrm>
-            <a:off x="3827241" y="3499359"/>
-            <a:ext cx="6428107" cy="3152834"/>
-          </a:xfrm>
-          <a:prstGeom prst="rect">
-            <a:avLst/>
-          </a:prstGeom>
-          <a:noFill/>
-          <a:extLst>
-            <a:ext uri="{909E8E84-426E-40DD-AFC4-6F175D3DCCD1}">
-              <a14:hiddenFill xmlns:a14="http://schemas.microsoft.com/office/drawing/2010/main">
-                <a:solidFill>
-                  <a:srgbClr val="FFFFFF"/>
-                </a:solidFill>
-              </a14:hiddenFill>
-            </a:ext>
-          </a:extLst>
-        </p:spPr>
-      </p:pic>
-      <p:sp>
-        <p:nvSpPr>
-          <p:cNvPr id="6" name="CuadroTexto 5"/>
-          <p:cNvSpPr txBox="1"/>
-          <p:nvPr/>
-        </p:nvSpPr>
-        <p:spPr>
-          <a:xfrm>
-            <a:off x="4107975" y="1123837"/>
-            <a:ext cx="7397087" cy="1754326"/>
-          </a:xfrm>
-          <a:prstGeom prst="rect">
-            <a:avLst/>
-          </a:prstGeom>
-          <a:noFill/>
-        </p:spPr>
-        <p:txBody>
-          <a:bodyPr wrap="square" rtlCol="0">
-            <a:spAutoFit/>
-          </a:bodyPr>
-          <a:lstStyle/>
-          <a:p>
-            <a:pPr marL="285750" indent="-285750">
-              <a:buFont typeface="Arial" panose="020B0604020202020204" pitchFamily="34" charset="0"/>
-              <a:buChar char="•"/>
-            </a:pPr>
-            <a:r>
-              <a:rPr lang="es-PE" dirty="0"/>
-              <a:t>El estándar IEEE 802.11 define el uso de los dos niveles inferiores de la arquitectura o modelo OSI (capa física y capa de enlace de datos), especificando las normas de funcionamiento de una red de área local inalámbrica (WLAN</a:t>
-            </a:r>
-            <a:r>
-              <a:rPr lang="es-PE" dirty="0" smtClean="0"/>
-              <a:t>).</a:t>
-            </a:r>
-          </a:p>
-          <a:p>
-            <a:pPr marL="285750" indent="-285750">
-              <a:buFont typeface="Arial" panose="020B0604020202020204" pitchFamily="34" charset="0"/>
-              <a:buChar char="•"/>
-            </a:pPr>
-            <a:r>
-              <a:rPr lang="es-PE" dirty="0"/>
-              <a:t>Las versiones 802.11b y 802.11g utilizan la banda ISM de 2,4 GHz, versión 802.11a utiliza la banda U-NII de 5 </a:t>
-            </a:r>
-            <a:r>
-              <a:rPr lang="es-PE" dirty="0" err="1"/>
-              <a:t>Ghz</a:t>
-            </a:r>
-            <a:endParaRPr lang="es-ES" dirty="0"/>
-          </a:p>
-        </p:txBody>
-      </p:sp>
-    </p:spTree>
-    <p:extLst>
-      <p:ext uri="{BB962C8B-B14F-4D97-AF65-F5344CB8AC3E}">
-        <p14:creationId xmlns:p14="http://schemas.microsoft.com/office/powerpoint/2010/main" val="2854477506"/>
       </p:ext>
     </p:extLst>
   </p:cSld>
@@ -5667,9 +5557,14 @@
           <a:bodyPr/>
           <a:lstStyle/>
           <a:p>
+            <a:pPr algn="ctr"/>
+            <a:r>
+              <a:rPr lang="es-PE" dirty="0" err="1" smtClean="0"/>
+              <a:t>WiFi</a:t>
+            </a:r>
             <a:r>
               <a:rPr lang="es-PE" dirty="0" smtClean="0"/>
-              <a:t>Modelo OSI</a:t>
+              <a:t> (802.11)</a:t>
             </a:r>
             <a:endParaRPr lang="es-ES" dirty="0"/>
           </a:p>
@@ -5677,7 +5572,7 @@
       </p:sp>
       <p:pic>
         <p:nvPicPr>
-          <p:cNvPr id="4" name="Picture 2" descr="https://upload.wikimedia.org/wikipedia/commons/thumb/8/8d/OSI_Model_v1.svg/langes-300px-OSI_Model_v1.svg.png"/>
+          <p:cNvPr id="4" name="Picture 2" descr="Resultado de imagen para que es WIFI"/>
           <p:cNvPicPr>
             <a:picLocks noGrp="1" noChangeAspect="1" noChangeArrowheads="1"/>
           </p:cNvPicPr>
@@ -5700,8 +5595,8 @@
         </p:blipFill>
         <p:spPr bwMode="auto">
           <a:xfrm>
-            <a:off x="5005767" y="1123837"/>
-            <a:ext cx="4629552" cy="5447440"/>
+            <a:off x="252919" y="4090578"/>
+            <a:ext cx="3162488" cy="2561615"/>
           </a:xfrm>
           <a:prstGeom prst="rect">
             <a:avLst/>
@@ -5718,10 +5613,103 @@
           </a:extLst>
         </p:spPr>
       </p:pic>
+      <p:pic>
+        <p:nvPicPr>
+          <p:cNvPr id="8194" name="Picture 2" descr="Resultado de imagen para Wifi arquitectura"/>
+          <p:cNvPicPr>
+            <a:picLocks noChangeAspect="1" noChangeArrowheads="1"/>
+          </p:cNvPicPr>
+          <p:nvPr/>
+        </p:nvPicPr>
+        <p:blipFill>
+          <a:blip r:embed="rId3">
+            <a:extLst>
+              <a:ext uri="{28A0092B-C50C-407E-A947-70E740481C1C}">
+                <a14:useLocalDpi xmlns:a14="http://schemas.microsoft.com/office/drawing/2010/main" val="0"/>
+              </a:ext>
+            </a:extLst>
+          </a:blip>
+          <a:srcRect/>
+          <a:stretch>
+            <a:fillRect/>
+          </a:stretch>
+        </p:blipFill>
+        <p:spPr bwMode="auto">
+          <a:xfrm>
+            <a:off x="3827241" y="3499359"/>
+            <a:ext cx="6428107" cy="3152834"/>
+          </a:xfrm>
+          <a:prstGeom prst="rect">
+            <a:avLst/>
+          </a:prstGeom>
+          <a:noFill/>
+          <a:extLst>
+            <a:ext uri="{909E8E84-426E-40DD-AFC4-6F175D3DCCD1}">
+              <a14:hiddenFill xmlns:a14="http://schemas.microsoft.com/office/drawing/2010/main">
+                <a:solidFill>
+                  <a:srgbClr val="FFFFFF"/>
+                </a:solidFill>
+              </a14:hiddenFill>
+            </a:ext>
+          </a:extLst>
+        </p:spPr>
+      </p:pic>
+      <p:sp>
+        <p:nvSpPr>
+          <p:cNvPr id="6" name="CuadroTexto 5"/>
+          <p:cNvSpPr txBox="1"/>
+          <p:nvPr/>
+        </p:nvSpPr>
+        <p:spPr>
+          <a:xfrm>
+            <a:off x="4107975" y="1123837"/>
+            <a:ext cx="7397087" cy="1754326"/>
+          </a:xfrm>
+          <a:prstGeom prst="rect">
+            <a:avLst/>
+          </a:prstGeom>
+          <a:noFill/>
+        </p:spPr>
+        <p:txBody>
+          <a:bodyPr wrap="square" rtlCol="0">
+            <a:spAutoFit/>
+          </a:bodyPr>
+          <a:lstStyle/>
+          <a:p>
+            <a:pPr marL="285750" indent="-285750">
+              <a:buFont typeface="Arial" panose="020B0604020202020204" pitchFamily="34" charset="0"/>
+              <a:buChar char="•"/>
+            </a:pPr>
+            <a:r>
+              <a:rPr lang="es-PE" dirty="0"/>
+              <a:t>El estándar IEEE 802.11 define el uso de los dos niveles inferiores de la arquitectura o modelo OSI (capa física y capa de enlace de datos), especificando las normas de funcionamiento de una red de área local inalámbrica (WLAN</a:t>
+            </a:r>
+            <a:r>
+              <a:rPr lang="es-PE" dirty="0" smtClean="0"/>
+              <a:t>).</a:t>
+            </a:r>
+          </a:p>
+          <a:p>
+            <a:pPr marL="285750" indent="-285750">
+              <a:buFont typeface="Arial" panose="020B0604020202020204" pitchFamily="34" charset="0"/>
+              <a:buChar char="•"/>
+            </a:pPr>
+            <a:r>
+              <a:rPr lang="es-PE" dirty="0"/>
+              <a:t>Las versiones 802.11b y 802.11g utilizan la banda ISM de 2,4 GHz, versión 802.11a utiliza la banda U-NII de 5 </a:t>
+            </a:r>
+            <a:r>
+              <a:rPr lang="es-PE" dirty="0" err="1"/>
+              <a:t>Ghz</a:t>
+            </a:r>
+            <a:endParaRPr lang="es-ES" dirty="0"/>
+          </a:p>
+        </p:txBody>
+      </p:sp>
     </p:spTree>
     <p:extLst>
       <p:ext uri="{BB962C8B-B14F-4D97-AF65-F5344CB8AC3E}">
-        <p14:creationId xmlns:p14="http://schemas.microsoft.com/office/powerpoint/2010/main" val="2076884915"/>
+        <p14:creationId xmlns:p14="http://schemas.microsoft.com/office/powerpoint/2010/main" val="2854477506"/>
       </p:ext>
     </p:extLst>
   </p:cSld>
@@ -5927,6 +5915,289 @@
     <p:extLst>
       <p:ext uri="{BB962C8B-B14F-4D97-AF65-F5344CB8AC3E}">
         <p14:creationId xmlns:p14="http://schemas.microsoft.com/office/powerpoint/2010/main" val="4193558449"/>
+      </p:ext>
+    </p:extLst>
+  </p:cSld>
+  <p:clrMapOvr>
+    <a:masterClrMapping/>
+  </p:clrMapOvr>
+  <p:timing>
+    <p:tnLst>
+      <p:par>
+        <p:cTn id="1" dur="indefinite" restart="never" nodeType="tmRoot"/>
+      </p:par>
+    </p:tnLst>
+  </p:timing>
+</p:sld>
+</file>
+
+<file path=ppt/slides/slide20.xml><?xml version="1.0" encoding="utf-8"?>
+<p:sld xmlns:a="http://schemas.openxmlformats.org/drawingml/2006/main" xmlns:r="http://schemas.openxmlformats.org/officeDocument/2006/relationships" xmlns:p="http://schemas.openxmlformats.org/presentationml/2006/main">
+  <p:cSld>
+    <p:spTree>
+      <p:nvGrpSpPr>
+        <p:cNvPr id="1" name=""/>
+        <p:cNvGrpSpPr/>
+        <p:nvPr/>
+      </p:nvGrpSpPr>
+      <p:grpSpPr>
+        <a:xfrm>
+          <a:off x="0" y="0"/>
+          <a:ext cx="0" cy="0"/>
+          <a:chOff x="0" y="0"/>
+          <a:chExt cx="0" cy="0"/>
+        </a:xfrm>
+      </p:grpSpPr>
+      <p:sp>
+        <p:nvSpPr>
+          <p:cNvPr id="2" name="Título 1"/>
+          <p:cNvSpPr>
+            <a:spLocks noGrp="1"/>
+          </p:cNvSpPr>
+          <p:nvPr>
+            <p:ph type="title"/>
+          </p:nvPr>
+        </p:nvSpPr>
+        <p:spPr/>
+        <p:txBody>
+          <a:bodyPr/>
+          <a:lstStyle/>
+          <a:p>
+            <a:r>
+              <a:rPr lang="es-PE" dirty="0" err="1" smtClean="0"/>
+              <a:t>Comparacion</a:t>
+            </a:r>
+            <a:r>
+              <a:rPr lang="es-PE" dirty="0" smtClean="0"/>
+              <a:t> entre </a:t>
+            </a:r>
+            <a:r>
+              <a:rPr lang="es-PE" dirty="0" err="1" smtClean="0"/>
+              <a:t>tecnologias</a:t>
+            </a:r>
+            <a:endParaRPr lang="es-ES" dirty="0"/>
+          </a:p>
+        </p:txBody>
+      </p:sp>
+      <p:pic>
+        <p:nvPicPr>
+          <p:cNvPr id="4" name="Marcador de contenido 3"/>
+          <p:cNvPicPr>
+            <a:picLocks noGrp="1" noChangeAspect="1"/>
+          </p:cNvPicPr>
+          <p:nvPr>
+            <p:ph idx="1"/>
+          </p:nvPr>
+        </p:nvPicPr>
+        <p:blipFill>
+          <a:blip r:embed="rId2">
+            <a:extLst>
+              <a:ext uri="{28A0092B-C50C-407E-A947-70E740481C1C}">
+                <a14:useLocalDpi xmlns:a14="http://schemas.microsoft.com/office/drawing/2010/main" val="0"/>
+              </a:ext>
+            </a:extLst>
+          </a:blip>
+          <a:stretch>
+            <a:fillRect/>
+          </a:stretch>
+        </p:blipFill>
+        <p:spPr>
+          <a:xfrm>
+            <a:off x="3921760" y="1276828"/>
+            <a:ext cx="6963739" cy="4148611"/>
+          </a:xfrm>
+        </p:spPr>
+      </p:pic>
+    </p:spTree>
+    <p:extLst>
+      <p:ext uri="{BB962C8B-B14F-4D97-AF65-F5344CB8AC3E}">
+        <p14:creationId xmlns:p14="http://schemas.microsoft.com/office/powerpoint/2010/main" val="732810686"/>
+      </p:ext>
+    </p:extLst>
+  </p:cSld>
+  <p:clrMapOvr>
+    <a:masterClrMapping/>
+  </p:clrMapOvr>
+</p:sld>
+</file>
+
+<file path=ppt/slides/slide21.xml><?xml version="1.0" encoding="utf-8"?>
+<p:sld xmlns:a="http://schemas.openxmlformats.org/drawingml/2006/main" xmlns:r="http://schemas.openxmlformats.org/officeDocument/2006/relationships" xmlns:p="http://schemas.openxmlformats.org/presentationml/2006/main">
+  <p:cSld>
+    <p:spTree>
+      <p:nvGrpSpPr>
+        <p:cNvPr id="1" name=""/>
+        <p:cNvGrpSpPr/>
+        <p:nvPr/>
+      </p:nvGrpSpPr>
+      <p:grpSpPr>
+        <a:xfrm>
+          <a:off x="0" y="0"/>
+          <a:ext cx="0" cy="0"/>
+          <a:chOff x="0" y="0"/>
+          <a:chExt cx="0" cy="0"/>
+        </a:xfrm>
+      </p:grpSpPr>
+      <p:sp>
+        <p:nvSpPr>
+          <p:cNvPr id="2" name="Título 1"/>
+          <p:cNvSpPr>
+            <a:spLocks noGrp="1"/>
+          </p:cNvSpPr>
+          <p:nvPr>
+            <p:ph type="title"/>
+          </p:nvPr>
+        </p:nvSpPr>
+        <p:spPr/>
+        <p:txBody>
+          <a:bodyPr/>
+          <a:lstStyle/>
+          <a:p>
+            <a:r>
+              <a:rPr lang="es-PE" dirty="0" smtClean="0"/>
+              <a:t>Comparación </a:t>
+            </a:r>
+            <a:r>
+              <a:rPr lang="es-PE" dirty="0" smtClean="0"/>
+              <a:t>entre </a:t>
+            </a:r>
+            <a:r>
+              <a:rPr lang="es-PE" dirty="0" smtClean="0"/>
+              <a:t>tecnologías</a:t>
+            </a:r>
+            <a:endParaRPr lang="es-ES" dirty="0"/>
+          </a:p>
+        </p:txBody>
+      </p:sp>
+      <p:pic>
+        <p:nvPicPr>
+          <p:cNvPr id="4" name="Marcador de contenido 3"/>
+          <p:cNvPicPr>
+            <a:picLocks noGrp="1" noChangeAspect="1"/>
+          </p:cNvPicPr>
+          <p:nvPr>
+            <p:ph idx="1"/>
+          </p:nvPr>
+        </p:nvPicPr>
+        <p:blipFill>
+          <a:blip r:embed="rId2">
+            <a:extLst>
+              <a:ext uri="{28A0092B-C50C-407E-A947-70E740481C1C}">
+                <a14:useLocalDpi xmlns:a14="http://schemas.microsoft.com/office/drawing/2010/main" val="0"/>
+              </a:ext>
+            </a:extLst>
+          </a:blip>
+          <a:stretch>
+            <a:fillRect/>
+          </a:stretch>
+        </p:blipFill>
+        <p:spPr>
+          <a:xfrm>
+            <a:off x="4271399" y="1670691"/>
+            <a:ext cx="6398057" cy="3507474"/>
+          </a:xfrm>
+        </p:spPr>
+      </p:pic>
+    </p:spTree>
+    <p:extLst>
+      <p:ext uri="{BB962C8B-B14F-4D97-AF65-F5344CB8AC3E}">
+        <p14:creationId xmlns:p14="http://schemas.microsoft.com/office/powerpoint/2010/main" val="357673999"/>
+      </p:ext>
+    </p:extLst>
+  </p:cSld>
+  <p:clrMapOvr>
+    <a:masterClrMapping/>
+  </p:clrMapOvr>
+</p:sld>
+</file>
+
+<file path=ppt/slides/slide22.xml><?xml version="1.0" encoding="utf-8"?>
+<p:sld xmlns:a="http://schemas.openxmlformats.org/drawingml/2006/main" xmlns:r="http://schemas.openxmlformats.org/officeDocument/2006/relationships" xmlns:p="http://schemas.openxmlformats.org/presentationml/2006/main">
+  <p:cSld>
+    <p:spTree>
+      <p:nvGrpSpPr>
+        <p:cNvPr id="1" name=""/>
+        <p:cNvGrpSpPr/>
+        <p:nvPr/>
+      </p:nvGrpSpPr>
+      <p:grpSpPr>
+        <a:xfrm>
+          <a:off x="0" y="0"/>
+          <a:ext cx="0" cy="0"/>
+          <a:chOff x="0" y="0"/>
+          <a:chExt cx="0" cy="0"/>
+        </a:xfrm>
+      </p:grpSpPr>
+      <p:sp>
+        <p:nvSpPr>
+          <p:cNvPr id="2" name="Título 1"/>
+          <p:cNvSpPr>
+            <a:spLocks noGrp="1"/>
+          </p:cNvSpPr>
+          <p:nvPr>
+            <p:ph type="title"/>
+          </p:nvPr>
+        </p:nvSpPr>
+        <p:spPr/>
+        <p:txBody>
+          <a:bodyPr/>
+          <a:lstStyle/>
+          <a:p>
+            <a:r>
+              <a:rPr lang="es-PE" dirty="0" smtClean="0"/>
+              <a:t>Modelo OSI</a:t>
+            </a:r>
+            <a:endParaRPr lang="es-ES" dirty="0"/>
+          </a:p>
+        </p:txBody>
+      </p:sp>
+      <p:pic>
+        <p:nvPicPr>
+          <p:cNvPr id="4" name="Picture 2" descr="https://upload.wikimedia.org/wikipedia/commons/thumb/8/8d/OSI_Model_v1.svg/langes-300px-OSI_Model_v1.svg.png"/>
+          <p:cNvPicPr>
+            <a:picLocks noGrp="1" noChangeAspect="1" noChangeArrowheads="1"/>
+          </p:cNvPicPr>
+          <p:nvPr>
+            <p:ph idx="1"/>
+          </p:nvPr>
+        </p:nvPicPr>
+        <p:blipFill>
+          <a:blip r:embed="rId2">
+            <a:extLst>
+              <a:ext uri="{28A0092B-C50C-407E-A947-70E740481C1C}">
+                <a14:useLocalDpi xmlns:a14="http://schemas.microsoft.com/office/drawing/2010/main" val="0"/>
+              </a:ext>
+            </a:extLst>
+          </a:blip>
+          <a:srcRect/>
+          <a:stretch>
+            <a:fillRect/>
+          </a:stretch>
+        </p:blipFill>
+        <p:spPr bwMode="auto">
+          <a:xfrm>
+            <a:off x="5005767" y="1123837"/>
+            <a:ext cx="4629552" cy="5447440"/>
+          </a:xfrm>
+          <a:prstGeom prst="rect">
+            <a:avLst/>
+          </a:prstGeom>
+          <a:noFill/>
+          <a:extLst>
+            <a:ext uri="{909E8E84-426E-40DD-AFC4-6F175D3DCCD1}">
+              <a14:hiddenFill xmlns:a14="http://schemas.microsoft.com/office/drawing/2010/main">
+                <a:solidFill>
+                  <a:srgbClr val="FFFFFF"/>
+                </a:solidFill>
+              </a14:hiddenFill>
+            </a:ext>
+          </a:extLst>
+        </p:spPr>
+      </p:pic>
+    </p:spTree>
+    <p:extLst>
+      <p:ext uri="{BB962C8B-B14F-4D97-AF65-F5344CB8AC3E}">
+        <p14:creationId xmlns:p14="http://schemas.microsoft.com/office/powerpoint/2010/main" val="2076884915"/>
       </p:ext>
     </p:extLst>
   </p:cSld>
